--- a/logo/로고.pptx
+++ b/logo/로고.pptx
@@ -272,7 +272,7 @@
           <a:p>
             <a:fld id="{BAB30C24-2758-864B-B00B-B1E8AAD8D3E9}" type="datetimeFigureOut">
               <a:rPr kumimoji="1" lang="ko-Kore-KR" altLang="en-US" smtClean="0"/>
-              <a:t>2021. 11. 25.</a:t>
+              <a:t>2021. 12. 23.</a:t>
             </a:fld>
             <a:endParaRPr kumimoji="1" lang="ko-Kore-KR" altLang="en-US"/>
           </a:p>
@@ -472,7 +472,7 @@
           <a:p>
             <a:fld id="{BAB30C24-2758-864B-B00B-B1E8AAD8D3E9}" type="datetimeFigureOut">
               <a:rPr kumimoji="1" lang="ko-Kore-KR" altLang="en-US" smtClean="0"/>
-              <a:t>2021. 11. 25.</a:t>
+              <a:t>2021. 12. 23.</a:t>
             </a:fld>
             <a:endParaRPr kumimoji="1" lang="ko-Kore-KR" altLang="en-US"/>
           </a:p>
@@ -682,7 +682,7 @@
           <a:p>
             <a:fld id="{BAB30C24-2758-864B-B00B-B1E8AAD8D3E9}" type="datetimeFigureOut">
               <a:rPr kumimoji="1" lang="ko-Kore-KR" altLang="en-US" smtClean="0"/>
-              <a:t>2021. 11. 25.</a:t>
+              <a:t>2021. 12. 23.</a:t>
             </a:fld>
             <a:endParaRPr kumimoji="1" lang="ko-Kore-KR" altLang="en-US"/>
           </a:p>
@@ -882,7 +882,7 @@
           <a:p>
             <a:fld id="{BAB30C24-2758-864B-B00B-B1E8AAD8D3E9}" type="datetimeFigureOut">
               <a:rPr kumimoji="1" lang="ko-Kore-KR" altLang="en-US" smtClean="0"/>
-              <a:t>2021. 11. 25.</a:t>
+              <a:t>2021. 12. 23.</a:t>
             </a:fld>
             <a:endParaRPr kumimoji="1" lang="ko-Kore-KR" altLang="en-US"/>
           </a:p>
@@ -1158,7 +1158,7 @@
           <a:p>
             <a:fld id="{BAB30C24-2758-864B-B00B-B1E8AAD8D3E9}" type="datetimeFigureOut">
               <a:rPr kumimoji="1" lang="ko-Kore-KR" altLang="en-US" smtClean="0"/>
-              <a:t>2021. 11. 25.</a:t>
+              <a:t>2021. 12. 23.</a:t>
             </a:fld>
             <a:endParaRPr kumimoji="1" lang="ko-Kore-KR" altLang="en-US"/>
           </a:p>
@@ -1426,7 +1426,7 @@
           <a:p>
             <a:fld id="{BAB30C24-2758-864B-B00B-B1E8AAD8D3E9}" type="datetimeFigureOut">
               <a:rPr kumimoji="1" lang="ko-Kore-KR" altLang="en-US" smtClean="0"/>
-              <a:t>2021. 11. 25.</a:t>
+              <a:t>2021. 12. 23.</a:t>
             </a:fld>
             <a:endParaRPr kumimoji="1" lang="ko-Kore-KR" altLang="en-US"/>
           </a:p>
@@ -1841,7 +1841,7 @@
           <a:p>
             <a:fld id="{BAB30C24-2758-864B-B00B-B1E8AAD8D3E9}" type="datetimeFigureOut">
               <a:rPr kumimoji="1" lang="ko-Kore-KR" altLang="en-US" smtClean="0"/>
-              <a:t>2021. 11. 25.</a:t>
+              <a:t>2021. 12. 23.</a:t>
             </a:fld>
             <a:endParaRPr kumimoji="1" lang="ko-Kore-KR" altLang="en-US"/>
           </a:p>
@@ -1983,7 +1983,7 @@
           <a:p>
             <a:fld id="{BAB30C24-2758-864B-B00B-B1E8AAD8D3E9}" type="datetimeFigureOut">
               <a:rPr kumimoji="1" lang="ko-Kore-KR" altLang="en-US" smtClean="0"/>
-              <a:t>2021. 11. 25.</a:t>
+              <a:t>2021. 12. 23.</a:t>
             </a:fld>
             <a:endParaRPr kumimoji="1" lang="ko-Kore-KR" altLang="en-US"/>
           </a:p>
@@ -2096,7 +2096,7 @@
           <a:p>
             <a:fld id="{BAB30C24-2758-864B-B00B-B1E8AAD8D3E9}" type="datetimeFigureOut">
               <a:rPr kumimoji="1" lang="ko-Kore-KR" altLang="en-US" smtClean="0"/>
-              <a:t>2021. 11. 25.</a:t>
+              <a:t>2021. 12. 23.</a:t>
             </a:fld>
             <a:endParaRPr kumimoji="1" lang="ko-Kore-KR" altLang="en-US"/>
           </a:p>
@@ -2409,7 +2409,7 @@
           <a:p>
             <a:fld id="{BAB30C24-2758-864B-B00B-B1E8AAD8D3E9}" type="datetimeFigureOut">
               <a:rPr kumimoji="1" lang="ko-Kore-KR" altLang="en-US" smtClean="0"/>
-              <a:t>2021. 11. 25.</a:t>
+              <a:t>2021. 12. 23.</a:t>
             </a:fld>
             <a:endParaRPr kumimoji="1" lang="ko-Kore-KR" altLang="en-US"/>
           </a:p>
@@ -2698,7 +2698,7 @@
           <a:p>
             <a:fld id="{BAB30C24-2758-864B-B00B-B1E8AAD8D3E9}" type="datetimeFigureOut">
               <a:rPr kumimoji="1" lang="ko-Kore-KR" altLang="en-US" smtClean="0"/>
-              <a:t>2021. 11. 25.</a:t>
+              <a:t>2021. 12. 23.</a:t>
             </a:fld>
             <a:endParaRPr kumimoji="1" lang="ko-Kore-KR" altLang="en-US"/>
           </a:p>
@@ -2941,7 +2941,7 @@
           <a:p>
             <a:fld id="{BAB30C24-2758-864B-B00B-B1E8AAD8D3E9}" type="datetimeFigureOut">
               <a:rPr kumimoji="1" lang="ko-Kore-KR" altLang="en-US" smtClean="0"/>
-              <a:t>2021. 11. 25.</a:t>
+              <a:t>2021. 12. 23.</a:t>
             </a:fld>
             <a:endParaRPr kumimoji="1" lang="ko-Kore-KR" altLang="en-US"/>
           </a:p>
@@ -4545,58 +4545,126 @@
           <a:chExt cx="0" cy="0"/>
         </a:xfrm>
       </p:grpSpPr>
-      <p:sp>
-        <p:nvSpPr>
-          <p:cNvPr id="4" name="직사각형 3">
-            <a:extLst>
-              <a:ext uri="{FF2B5EF4-FFF2-40B4-BE49-F238E27FC236}">
-                <a16:creationId xmlns:a16="http://schemas.microsoft.com/office/drawing/2014/main" id="{C454EAD9-696E-D64A-A775-D7EEF1F6A321}"/>
-              </a:ext>
-            </a:extLst>
-          </p:cNvPr>
-          <p:cNvSpPr/>
+      <p:grpSp>
+        <p:nvGrpSpPr>
+          <p:cNvPr id="2" name="그룹 1">
+            <a:extLst>
+              <a:ext uri="{FF2B5EF4-FFF2-40B4-BE49-F238E27FC236}">
+                <a16:creationId xmlns:a16="http://schemas.microsoft.com/office/drawing/2014/main" id="{B796955C-70D1-E04E-A39C-351B1E924FEA}"/>
+              </a:ext>
+            </a:extLst>
+          </p:cNvPr>
+          <p:cNvGrpSpPr/>
           <p:nvPr/>
-        </p:nvSpPr>
-        <p:spPr>
+        </p:nvGrpSpPr>
+        <p:grpSpPr>
           <a:xfrm>
             <a:off x="2971800" y="1507671"/>
             <a:ext cx="6248400" cy="3842657"/>
+            <a:chOff x="2971800" y="1507671"/>
+            <a:chExt cx="6248400" cy="3842657"/>
           </a:xfrm>
-          <a:prstGeom prst="rect">
-            <a:avLst/>
-          </a:prstGeom>
-          <a:solidFill>
-            <a:schemeClr val="bg1"/>
-          </a:solidFill>
-          <a:ln>
+        </p:grpSpPr>
+        <p:sp>
+          <p:nvSpPr>
+            <p:cNvPr id="4" name="직사각형 3">
+              <a:extLst>
+                <a:ext uri="{FF2B5EF4-FFF2-40B4-BE49-F238E27FC236}">
+                  <a16:creationId xmlns:a16="http://schemas.microsoft.com/office/drawing/2014/main" id="{C454EAD9-696E-D64A-A775-D7EEF1F6A321}"/>
+                </a:ext>
+              </a:extLst>
+            </p:cNvPr>
+            <p:cNvSpPr/>
+            <p:nvPr/>
+          </p:nvSpPr>
+          <p:spPr>
+            <a:xfrm>
+              <a:off x="2971800" y="1507671"/>
+              <a:ext cx="6248400" cy="3842657"/>
+            </a:xfrm>
+            <a:prstGeom prst="rect">
+              <a:avLst/>
+            </a:prstGeom>
+            <a:solidFill>
+              <a:schemeClr val="bg1"/>
+            </a:solidFill>
+            <a:ln>
+              <a:noFill/>
+            </a:ln>
+          </p:spPr>
+          <p:style>
+            <a:lnRef idx="2">
+              <a:schemeClr val="accent1">
+                <a:shade val="50000"/>
+              </a:schemeClr>
+            </a:lnRef>
+            <a:fillRef idx="1">
+              <a:schemeClr val="accent1"/>
+            </a:fillRef>
+            <a:effectRef idx="0">
+              <a:schemeClr val="accent1"/>
+            </a:effectRef>
+            <a:fontRef idx="minor">
+              <a:schemeClr val="lt1"/>
+            </a:fontRef>
+          </p:style>
+          <p:txBody>
+            <a:bodyPr rtlCol="0" anchor="ctr"/>
+            <a:lstStyle/>
+            <a:p>
+              <a:pPr algn="ctr"/>
+              <a:endParaRPr kumimoji="1" lang="ko-Kore-KR" altLang="en-US"/>
+            </a:p>
+          </p:txBody>
+        </p:sp>
+        <p:pic>
+          <p:nvPicPr>
+            <p:cNvPr id="1026" name="Picture 2" descr="Dacon] 모션 키포인트 검출 AI 경진대회 - 2위">
+              <a:extLst>
+                <a:ext uri="{FF2B5EF4-FFF2-40B4-BE49-F238E27FC236}">
+                  <a16:creationId xmlns:a16="http://schemas.microsoft.com/office/drawing/2014/main" id="{C242BEFE-D4ED-9847-92E3-DE2BC7185D1F}"/>
+                </a:ext>
+              </a:extLst>
+            </p:cNvPr>
+            <p:cNvPicPr>
+              <a:picLocks noChangeAspect="1" noChangeArrowheads="1"/>
+            </p:cNvPicPr>
+            <p:nvPr/>
+          </p:nvPicPr>
+          <p:blipFill>
+            <a:blip r:embed="rId2">
+              <a:extLst>
+                <a:ext uri="{28A0092B-C50C-407E-A947-70E740481C1C}">
+                  <a14:useLocalDpi xmlns:a14="http://schemas.microsoft.com/office/drawing/2010/main" val="0"/>
+                </a:ext>
+              </a:extLst>
+            </a:blip>
+            <a:srcRect/>
+            <a:stretch>
+              <a:fillRect/>
+            </a:stretch>
+          </p:blipFill>
+          <p:spPr bwMode="auto">
+            <a:xfrm>
+              <a:off x="3861918" y="2557487"/>
+              <a:ext cx="4468164" cy="1296518"/>
+            </a:xfrm>
+            <a:prstGeom prst="rect">
+              <a:avLst/>
+            </a:prstGeom>
             <a:noFill/>
-          </a:ln>
-        </p:spPr>
-        <p:style>
-          <a:lnRef idx="2">
-            <a:schemeClr val="accent1">
-              <a:shade val="50000"/>
-            </a:schemeClr>
-          </a:lnRef>
-          <a:fillRef idx="1">
-            <a:schemeClr val="accent1"/>
-          </a:fillRef>
-          <a:effectRef idx="0">
-            <a:schemeClr val="accent1"/>
-          </a:effectRef>
-          <a:fontRef idx="minor">
-            <a:schemeClr val="lt1"/>
-          </a:fontRef>
-        </p:style>
-        <p:txBody>
-          <a:bodyPr rtlCol="0" anchor="ctr"/>
-          <a:lstStyle/>
-          <a:p>
-            <a:pPr algn="ctr"/>
-            <a:endParaRPr kumimoji="1" lang="ko-Kore-KR" altLang="en-US"/>
-          </a:p>
-        </p:txBody>
-      </p:sp>
+            <a:extLst>
+              <a:ext uri="{909E8E84-426E-40DD-AFC4-6F175D3DCCD1}">
+                <a14:hiddenFill xmlns:a14="http://schemas.microsoft.com/office/drawing/2010/main">
+                  <a:solidFill>
+                    <a:srgbClr val="FFFFFF"/>
+                  </a:solidFill>
+                </a14:hiddenFill>
+              </a:ext>
+            </a:extLst>
+          </p:spPr>
+        </p:pic>
+      </p:grpSp>
     </p:spTree>
     <p:extLst>
       <p:ext uri="{BB962C8B-B14F-4D97-AF65-F5344CB8AC3E}">
